--- a/Review 1/Review 1.pptx
+++ b/Review 1/Review 1.pptx
@@ -8,11 +8,13 @@
     <p:sldId id="267" r:id="rId2"/>
     <p:sldId id="258" r:id="rId3"/>
     <p:sldId id="259" r:id="rId4"/>
-    <p:sldId id="260" r:id="rId5"/>
-    <p:sldId id="261" r:id="rId6"/>
-    <p:sldId id="262" r:id="rId7"/>
-    <p:sldId id="263" r:id="rId8"/>
-    <p:sldId id="266" r:id="rId9"/>
+    <p:sldId id="269" r:id="rId5"/>
+    <p:sldId id="260" r:id="rId6"/>
+    <p:sldId id="261" r:id="rId7"/>
+    <p:sldId id="262" r:id="rId8"/>
+    <p:sldId id="270" r:id="rId9"/>
+    <p:sldId id="263" r:id="rId10"/>
+    <p:sldId id="266" r:id="rId11"/>
   </p:sldIdLst>
   <p:sldSz cx="12192000" cy="6858000"/>
   <p:notesSz cx="6858000" cy="9144000"/>
@@ -758,7 +760,7 @@
           <a:p>
             <a:fld id="{4994CE30-7D40-4BC0-BA0D-56C992D5B4BD}" type="datetimeFigureOut">
               <a:rPr lang="en-GB" smtClean="0"/>
-              <a:t>07/11/2023</a:t>
+              <a:t>19/11/2023</a:t>
             </a:fld>
             <a:endParaRPr lang="en-GB"/>
           </a:p>
@@ -926,7 +928,7 @@
           <a:p>
             <a:fld id="{4994CE30-7D40-4BC0-BA0D-56C992D5B4BD}" type="datetimeFigureOut">
               <a:rPr lang="en-GB" smtClean="0"/>
-              <a:t>07/11/2023</a:t>
+              <a:t>19/11/2023</a:t>
             </a:fld>
             <a:endParaRPr lang="en-GB"/>
           </a:p>
@@ -1104,7 +1106,7 @@
           <a:p>
             <a:fld id="{4994CE30-7D40-4BC0-BA0D-56C992D5B4BD}" type="datetimeFigureOut">
               <a:rPr lang="en-GB" smtClean="0"/>
-              <a:t>07/11/2023</a:t>
+              <a:t>19/11/2023</a:t>
             </a:fld>
             <a:endParaRPr lang="en-GB"/>
           </a:p>
@@ -1319,7 +1321,7 @@
           <a:p>
             <a:fld id="{4994CE30-7D40-4BC0-BA0D-56C992D5B4BD}" type="datetimeFigureOut">
               <a:rPr lang="en-GB" smtClean="0"/>
-              <a:t>07/11/2023</a:t>
+              <a:t>19/11/2023</a:t>
             </a:fld>
             <a:endParaRPr lang="en-GB"/>
           </a:p>
@@ -1564,7 +1566,7 @@
           <a:p>
             <a:fld id="{4994CE30-7D40-4BC0-BA0D-56C992D5B4BD}" type="datetimeFigureOut">
               <a:rPr lang="en-GB" smtClean="0"/>
-              <a:t>07/11/2023</a:t>
+              <a:t>19/11/2023</a:t>
             </a:fld>
             <a:endParaRPr lang="en-GB"/>
           </a:p>
@@ -1858,7 +1860,7 @@
           <a:p>
             <a:fld id="{4994CE30-7D40-4BC0-BA0D-56C992D5B4BD}" type="datetimeFigureOut">
               <a:rPr lang="en-GB" smtClean="0"/>
-              <a:t>07/11/2023</a:t>
+              <a:t>19/11/2023</a:t>
             </a:fld>
             <a:endParaRPr lang="en-GB"/>
           </a:p>
@@ -2286,7 +2288,7 @@
           <a:p>
             <a:fld id="{4994CE30-7D40-4BC0-BA0D-56C992D5B4BD}" type="datetimeFigureOut">
               <a:rPr lang="en-GB" smtClean="0"/>
-              <a:t>07/11/2023</a:t>
+              <a:t>19/11/2023</a:t>
             </a:fld>
             <a:endParaRPr lang="en-GB"/>
           </a:p>
@@ -2408,7 +2410,7 @@
           <a:p>
             <a:fld id="{4994CE30-7D40-4BC0-BA0D-56C992D5B4BD}" type="datetimeFigureOut">
               <a:rPr lang="en-GB" smtClean="0"/>
-              <a:t>07/11/2023</a:t>
+              <a:t>19/11/2023</a:t>
             </a:fld>
             <a:endParaRPr lang="en-GB"/>
           </a:p>
@@ -2544,7 +2546,7 @@
           <a:p>
             <a:fld id="{4994CE30-7D40-4BC0-BA0D-56C992D5B4BD}" type="datetimeFigureOut">
               <a:rPr lang="en-GB" smtClean="0"/>
-              <a:t>07/11/2023</a:t>
+              <a:t>19/11/2023</a:t>
             </a:fld>
             <a:endParaRPr lang="en-GB"/>
           </a:p>
@@ -2819,7 +2821,7 @@
           <a:p>
             <a:fld id="{4994CE30-7D40-4BC0-BA0D-56C992D5B4BD}" type="datetimeFigureOut">
               <a:rPr lang="en-GB" smtClean="0"/>
-              <a:t>07/11/2023</a:t>
+              <a:t>19/11/2023</a:t>
             </a:fld>
             <a:endParaRPr lang="en-GB"/>
           </a:p>
@@ -3075,7 +3077,7 @@
           <a:p>
             <a:fld id="{4994CE30-7D40-4BC0-BA0D-56C992D5B4BD}" type="datetimeFigureOut">
               <a:rPr lang="en-GB" smtClean="0"/>
-              <a:t>07/11/2023</a:t>
+              <a:t>19/11/2023</a:t>
             </a:fld>
             <a:endParaRPr lang="en-GB"/>
           </a:p>
@@ -3291,7 +3293,7 @@
           <a:p>
             <a:fld id="{4994CE30-7D40-4BC0-BA0D-56C992D5B4BD}" type="datetimeFigureOut">
               <a:rPr lang="en-GB" smtClean="0"/>
-              <a:t>07/11/2023</a:t>
+              <a:t>19/11/2023</a:t>
             </a:fld>
             <a:endParaRPr lang="en-GB"/>
           </a:p>
@@ -5117,6 +5119,75 @@
 </p:sld>
 </file>
 
+<file path=ppt/slides/slide10.xml><?xml version="1.0" encoding="utf-8"?>
+<p:sld xmlns:a="http://schemas.openxmlformats.org/drawingml/2006/main" xmlns:r="http://schemas.openxmlformats.org/officeDocument/2006/relationships" xmlns:p="http://schemas.openxmlformats.org/presentationml/2006/main">
+  <p:cSld>
+    <p:spTree>
+      <p:nvGrpSpPr>
+        <p:cNvPr id="1" name=""/>
+        <p:cNvGrpSpPr/>
+        <p:nvPr/>
+      </p:nvGrpSpPr>
+      <p:grpSpPr>
+        <a:xfrm>
+          <a:off x="0" y="0"/>
+          <a:ext cx="0" cy="0"/>
+          <a:chOff x="0" y="0"/>
+          <a:chExt cx="0" cy="0"/>
+        </a:xfrm>
+      </p:grpSpPr>
+      <p:sp>
+        <p:nvSpPr>
+          <p:cNvPr id="3" name="Content Placeholder 2"/>
+          <p:cNvSpPr>
+            <a:spLocks noGrp="1"/>
+          </p:cNvSpPr>
+          <p:nvPr>
+            <p:ph idx="1"/>
+          </p:nvPr>
+        </p:nvSpPr>
+        <p:spPr/>
+        <p:txBody>
+          <a:bodyPr>
+            <a:normAutofit/>
+          </a:bodyPr>
+          <a:lstStyle/>
+          <a:p>
+            <a:pPr marL="0" indent="0" algn="ctr">
+              <a:buNone/>
+            </a:pPr>
+            <a:endParaRPr lang="en-GB" sz="4400" dirty="0"/>
+          </a:p>
+          <a:p>
+            <a:pPr marL="0" indent="0" algn="ctr">
+              <a:buNone/>
+            </a:pPr>
+            <a:endParaRPr lang="en-GB" sz="4400" dirty="0"/>
+          </a:p>
+          <a:p>
+            <a:pPr marL="0" indent="0" algn="ctr">
+              <a:buNone/>
+            </a:pPr>
+            <a:r>
+              <a:rPr lang="en-GB" sz="6000" dirty="0"/>
+              <a:t>Thank You</a:t>
+            </a:r>
+          </a:p>
+        </p:txBody>
+      </p:sp>
+    </p:spTree>
+    <p:extLst>
+      <p:ext uri="{BB962C8B-B14F-4D97-AF65-F5344CB8AC3E}">
+        <p14:creationId xmlns:p14="http://schemas.microsoft.com/office/powerpoint/2010/main" val="3691672322"/>
+      </p:ext>
+    </p:extLst>
+  </p:cSld>
+  <p:clrMapOvr>
+    <a:masterClrMapping/>
+  </p:clrMapOvr>
+</p:sld>
+</file>
+
 <file path=ppt/slides/slide2.xml><?xml version="1.0" encoding="utf-8"?>
 <p:sld xmlns:a="http://schemas.openxmlformats.org/drawingml/2006/main" xmlns:r="http://schemas.openxmlformats.org/officeDocument/2006/relationships" xmlns:p="http://schemas.openxmlformats.org/presentationml/2006/main">
   <p:cSld>
@@ -5298,6 +5369,72 @@
           <a:chExt cx="0" cy="0"/>
         </a:xfrm>
       </p:grpSpPr>
+      <p:pic>
+        <p:nvPicPr>
+          <p:cNvPr id="5" name="Picture 4" descr="Comparison between YOLOv8 vs YOLO5&#10;">
+            <a:extLst>
+              <a:ext uri="{FF2B5EF4-FFF2-40B4-BE49-F238E27FC236}">
+                <a16:creationId xmlns:a16="http://schemas.microsoft.com/office/drawing/2014/main" id="{27370B58-D6FB-F638-DD4C-FF8C5048D5FE}"/>
+              </a:ext>
+            </a:extLst>
+          </p:cNvPr>
+          <p:cNvPicPr>
+            <a:picLocks noChangeAspect="1"/>
+          </p:cNvPicPr>
+          <p:nvPr/>
+        </p:nvPicPr>
+        <p:blipFill>
+          <a:blip r:embed="rId2">
+            <a:extLst>
+              <a:ext uri="{28A0092B-C50C-407E-A947-70E740481C1C}">
+                <a14:useLocalDpi xmlns:a14="http://schemas.microsoft.com/office/drawing/2010/main" val="0"/>
+              </a:ext>
+            </a:extLst>
+          </a:blip>
+          <a:stretch>
+            <a:fillRect/>
+          </a:stretch>
+        </p:blipFill>
+        <p:spPr>
+          <a:xfrm>
+            <a:off x="2547382" y="1580469"/>
+            <a:ext cx="7097235" cy="3992195"/>
+          </a:xfrm>
+          <a:prstGeom prst="rect">
+            <a:avLst/>
+          </a:prstGeom>
+        </p:spPr>
+      </p:pic>
+    </p:spTree>
+    <p:extLst>
+      <p:ext uri="{BB962C8B-B14F-4D97-AF65-F5344CB8AC3E}">
+        <p14:creationId xmlns:p14="http://schemas.microsoft.com/office/powerpoint/2010/main" val="2186602599"/>
+      </p:ext>
+    </p:extLst>
+  </p:cSld>
+  <p:clrMapOvr>
+    <a:masterClrMapping/>
+  </p:clrMapOvr>
+</p:sld>
+</file>
+
+<file path=ppt/slides/slide5.xml><?xml version="1.0" encoding="utf-8"?>
+<p:sld xmlns:a="http://schemas.openxmlformats.org/drawingml/2006/main" xmlns:r="http://schemas.openxmlformats.org/officeDocument/2006/relationships" xmlns:p="http://schemas.openxmlformats.org/presentationml/2006/main">
+  <p:cSld>
+    <p:spTree>
+      <p:nvGrpSpPr>
+        <p:cNvPr id="1" name=""/>
+        <p:cNvGrpSpPr/>
+        <p:nvPr/>
+      </p:nvGrpSpPr>
+      <p:grpSpPr>
+        <a:xfrm>
+          <a:off x="0" y="0"/>
+          <a:ext cx="0" cy="0"/>
+          <a:chOff x="0" y="0"/>
+          <a:chExt cx="0" cy="0"/>
+        </a:xfrm>
+      </p:grpSpPr>
       <p:sp>
         <p:nvSpPr>
           <p:cNvPr id="2" name="Title 1"/>
@@ -5519,7 +5656,7 @@
 </p:sld>
 </file>
 
-<file path=ppt/slides/slide5.xml><?xml version="1.0" encoding="utf-8"?>
+<file path=ppt/slides/slide6.xml><?xml version="1.0" encoding="utf-8"?>
 <p:sld xmlns:a="http://schemas.openxmlformats.org/drawingml/2006/main" xmlns:r="http://schemas.openxmlformats.org/officeDocument/2006/relationships" xmlns:p="http://schemas.openxmlformats.org/presentationml/2006/main">
   <p:cSld>
     <p:spTree>
@@ -6425,7 +6562,7 @@
 </p:sld>
 </file>
 
-<file path=ppt/slides/slide6.xml><?xml version="1.0" encoding="utf-8"?>
+<file path=ppt/slides/slide7.xml><?xml version="1.0" encoding="utf-8"?>
 <p:sld xmlns:a="http://schemas.openxmlformats.org/drawingml/2006/main" xmlns:r="http://schemas.openxmlformats.org/officeDocument/2006/relationships" xmlns:p="http://schemas.openxmlformats.org/presentationml/2006/main">
   <p:cSld>
     <p:spTree>
@@ -6479,8 +6616,8 @@
         </p:nvSpPr>
         <p:spPr>
           <a:xfrm>
-            <a:off x="1350628" y="1661020"/>
-            <a:ext cx="3103926" cy="646331"/>
+            <a:off x="1264364" y="1091676"/>
+            <a:ext cx="9113214" cy="1477328"/>
           </a:xfrm>
           <a:prstGeom prst="rect">
             <a:avLst/>
@@ -6500,9 +6637,23 @@
           </a:p>
           <a:p>
             <a:r>
-              <a:rPr lang="en-US" dirty="0" err="1"/>
-              <a:t>Webcamera</a:t>
-            </a:r>
+              <a:rPr lang="en-US" dirty="0"/>
+              <a:t>Web camera</a:t>
+            </a:r>
+          </a:p>
+          <a:p>
+            <a:r>
+              <a:rPr lang="en-US" dirty="0"/>
+              <a:t>Requirement to run the model : 8GB GPU minimum(Tested for yolov8m)</a:t>
+            </a:r>
+          </a:p>
+          <a:p>
+            <a:r>
+              <a:rPr lang="en-US" dirty="0"/>
+              <a:t>Minimum usage for training: 7.1 GB.</a:t>
+            </a:r>
+          </a:p>
+          <a:p>
             <a:endParaRPr lang="en-IN" dirty="0"/>
           </a:p>
         </p:txBody>
@@ -6521,8 +6672,8 @@
         </p:nvSpPr>
         <p:spPr>
           <a:xfrm>
-            <a:off x="1350628" y="3206371"/>
-            <a:ext cx="5275277" cy="1200329"/>
+            <a:off x="664236" y="2828836"/>
+            <a:ext cx="5961670" cy="1477328"/>
           </a:xfrm>
           <a:prstGeom prst="rect">
             <a:avLst/>
@@ -6565,6 +6716,68 @@
             <a:r>
               <a:rPr lang="en-US" dirty="0"/>
               <a:t> – Collaborative coding</a:t>
+            </a:r>
+          </a:p>
+          <a:p>
+            <a:r>
+              <a:rPr lang="en-US" dirty="0"/>
+              <a:t>Google </a:t>
+            </a:r>
+            <a:r>
+              <a:rPr lang="en-US" dirty="0" err="1"/>
+              <a:t>Colab</a:t>
+            </a:r>
+            <a:r>
+              <a:rPr lang="en-US" dirty="0"/>
+              <a:t> – Model Training</a:t>
+            </a:r>
+            <a:endParaRPr lang="en-IN" dirty="0"/>
+          </a:p>
+        </p:txBody>
+      </p:sp>
+      <p:sp>
+        <p:nvSpPr>
+          <p:cNvPr id="3" name="TextBox 2">
+            <a:extLst>
+              <a:ext uri="{FF2B5EF4-FFF2-40B4-BE49-F238E27FC236}">
+                <a16:creationId xmlns:a16="http://schemas.microsoft.com/office/drawing/2014/main" id="{FFEA8386-DDB9-A5A1-D79C-03E45143C4B7}"/>
+              </a:ext>
+            </a:extLst>
+          </p:cNvPr>
+          <p:cNvSpPr txBox="1"/>
+          <p:nvPr/>
+        </p:nvSpPr>
+        <p:spPr>
+          <a:xfrm>
+            <a:off x="618227" y="4453528"/>
+            <a:ext cx="10955546" cy="1477328"/>
+          </a:xfrm>
+          <a:prstGeom prst="rect">
+            <a:avLst/>
+          </a:prstGeom>
+          <a:noFill/>
+        </p:spPr>
+        <p:txBody>
+          <a:bodyPr wrap="square" rtlCol="0">
+            <a:spAutoFit/>
+          </a:bodyPr>
+          <a:lstStyle/>
+          <a:p>
+            <a:r>
+              <a:rPr lang="en-US" dirty="0"/>
+              <a:t>Minimum images to be trained on 100 unique image per person -&gt; later converted to other types by adding blur, rotate and other types of image manipulation. Final image count: minimum 400 without image manipulation and 1200 after image manipulation</a:t>
+            </a:r>
+          </a:p>
+          <a:p>
+            <a:r>
+              <a:rPr lang="en-US" dirty="0"/>
+              <a:t>Epochs to be trained on 100-500. </a:t>
+            </a:r>
+          </a:p>
+          <a:p>
+            <a:r>
+              <a:rPr lang="en-US" dirty="0"/>
+              <a:t>Each epoch duration - 5 to 7 seconds (tested on 28 uploaded image dataset).</a:t>
             </a:r>
             <a:endParaRPr lang="en-IN" dirty="0"/>
           </a:p>
@@ -6583,7 +6796,125 @@
 </p:sld>
 </file>
 
-<file path=ppt/slides/slide7.xml><?xml version="1.0" encoding="utf-8"?>
+<file path=ppt/slides/slide8.xml><?xml version="1.0" encoding="utf-8"?>
+<p:sld xmlns:a="http://schemas.openxmlformats.org/drawingml/2006/main" xmlns:r="http://schemas.openxmlformats.org/officeDocument/2006/relationships" xmlns:p="http://schemas.openxmlformats.org/presentationml/2006/main">
+  <p:cSld>
+    <p:spTree>
+      <p:nvGrpSpPr>
+        <p:cNvPr id="1" name=""/>
+        <p:cNvGrpSpPr/>
+        <p:nvPr/>
+      </p:nvGrpSpPr>
+      <p:grpSpPr>
+        <a:xfrm>
+          <a:off x="0" y="0"/>
+          <a:ext cx="0" cy="0"/>
+          <a:chOff x="0" y="0"/>
+          <a:chExt cx="0" cy="0"/>
+        </a:xfrm>
+      </p:grpSpPr>
+      <p:pic>
+        <p:nvPicPr>
+          <p:cNvPr id="3" name="Picture 2" descr="Multi plot graph&#10;">
+            <a:extLst>
+              <a:ext uri="{FF2B5EF4-FFF2-40B4-BE49-F238E27FC236}">
+                <a16:creationId xmlns:a16="http://schemas.microsoft.com/office/drawing/2014/main" id="{BBADE8E4-D1AB-E943-7C75-5973BB26A025}"/>
+              </a:ext>
+            </a:extLst>
+          </p:cNvPr>
+          <p:cNvPicPr>
+            <a:picLocks noChangeAspect="1"/>
+          </p:cNvPicPr>
+          <p:nvPr/>
+        </p:nvPicPr>
+        <p:blipFill>
+          <a:blip r:embed="rId2" cstate="print">
+            <a:extLst>
+              <a:ext uri="{28A0092B-C50C-407E-A947-70E740481C1C}">
+                <a14:useLocalDpi xmlns:a14="http://schemas.microsoft.com/office/drawing/2010/main" val="0"/>
+              </a:ext>
+            </a:extLst>
+          </a:blip>
+          <a:stretch>
+            <a:fillRect/>
+          </a:stretch>
+        </p:blipFill>
+        <p:spPr>
+          <a:xfrm>
+            <a:off x="2415390" y="1695086"/>
+            <a:ext cx="7361219" cy="3680610"/>
+          </a:xfrm>
+          <a:prstGeom prst="rect">
+            <a:avLst/>
+          </a:prstGeom>
+        </p:spPr>
+      </p:pic>
+      <p:sp>
+        <p:nvSpPr>
+          <p:cNvPr id="4" name="TextBox 3">
+            <a:extLst>
+              <a:ext uri="{FF2B5EF4-FFF2-40B4-BE49-F238E27FC236}">
+                <a16:creationId xmlns:a16="http://schemas.microsoft.com/office/drawing/2014/main" id="{5B7E89C7-E4EF-91F9-6A42-99204CCA8B81}"/>
+              </a:ext>
+            </a:extLst>
+          </p:cNvPr>
+          <p:cNvSpPr txBox="1"/>
+          <p:nvPr/>
+        </p:nvSpPr>
+        <p:spPr>
+          <a:xfrm>
+            <a:off x="1000665" y="267419"/>
+            <a:ext cx="5822830" cy="523220"/>
+          </a:xfrm>
+          <a:prstGeom prst="rect">
+            <a:avLst/>
+          </a:prstGeom>
+          <a:noFill/>
+        </p:spPr>
+        <p:txBody>
+          <a:bodyPr wrap="square" rtlCol="0">
+            <a:spAutoFit/>
+          </a:bodyPr>
+          <a:lstStyle/>
+          <a:p>
+            <a:r>
+              <a:rPr lang="en-US" sz="2800" b="1" dirty="0">
+                <a:solidFill>
+                  <a:schemeClr val="tx2">
+                    <a:lumMod val="75000"/>
+                  </a:schemeClr>
+                </a:solidFill>
+                <a:latin typeface="Verdana" panose="020B0604030504040204" pitchFamily="34" charset="0"/>
+                <a:ea typeface="Verdana" panose="020B0604030504040204" pitchFamily="34" charset="0"/>
+              </a:rPr>
+              <a:t>Preliminary Result</a:t>
+            </a:r>
+            <a:endParaRPr lang="en-IN" sz="2800" b="1" dirty="0">
+              <a:solidFill>
+                <a:schemeClr val="tx2">
+                  <a:lumMod val="75000"/>
+                </a:schemeClr>
+              </a:solidFill>
+              <a:latin typeface="Verdana" panose="020B0604030504040204" pitchFamily="34" charset="0"/>
+              <a:ea typeface="Verdana" panose="020B0604030504040204" pitchFamily="34" charset="0"/>
+            </a:endParaRPr>
+          </a:p>
+        </p:txBody>
+      </p:sp>
+    </p:spTree>
+    <p:extLst>
+      <p:ext uri="{BB962C8B-B14F-4D97-AF65-F5344CB8AC3E}">
+        <p14:creationId xmlns:p14="http://schemas.microsoft.com/office/powerpoint/2010/main" val="4083456986"/>
+      </p:ext>
+    </p:extLst>
+  </p:cSld>
+  <p:clrMapOvr>
+    <a:masterClrMapping/>
+  </p:clrMapOvr>
+</p:sld>
+</file>
+
+<file path=ppt/slides/slide9.xml><?xml version="1.0" encoding="utf-8"?>
 <p:sld xmlns:a="http://schemas.openxmlformats.org/drawingml/2006/main" xmlns:r="http://schemas.openxmlformats.org/officeDocument/2006/relationships" xmlns:p="http://schemas.openxmlformats.org/presentationml/2006/main">
   <p:cSld>
     <p:spTree>
@@ -8585,75 +8916,6 @@
     <p:extLst>
       <p:ext uri="{BB962C8B-B14F-4D97-AF65-F5344CB8AC3E}">
         <p14:creationId xmlns:p14="http://schemas.microsoft.com/office/powerpoint/2010/main" val="1923928155"/>
-      </p:ext>
-    </p:extLst>
-  </p:cSld>
-  <p:clrMapOvr>
-    <a:masterClrMapping/>
-  </p:clrMapOvr>
-</p:sld>
-</file>
-
-<file path=ppt/slides/slide8.xml><?xml version="1.0" encoding="utf-8"?>
-<p:sld xmlns:a="http://schemas.openxmlformats.org/drawingml/2006/main" xmlns:r="http://schemas.openxmlformats.org/officeDocument/2006/relationships" xmlns:p="http://schemas.openxmlformats.org/presentationml/2006/main">
-  <p:cSld>
-    <p:spTree>
-      <p:nvGrpSpPr>
-        <p:cNvPr id="1" name=""/>
-        <p:cNvGrpSpPr/>
-        <p:nvPr/>
-      </p:nvGrpSpPr>
-      <p:grpSpPr>
-        <a:xfrm>
-          <a:off x="0" y="0"/>
-          <a:ext cx="0" cy="0"/>
-          <a:chOff x="0" y="0"/>
-          <a:chExt cx="0" cy="0"/>
-        </a:xfrm>
-      </p:grpSpPr>
-      <p:sp>
-        <p:nvSpPr>
-          <p:cNvPr id="3" name="Content Placeholder 2"/>
-          <p:cNvSpPr>
-            <a:spLocks noGrp="1"/>
-          </p:cNvSpPr>
-          <p:nvPr>
-            <p:ph idx="1"/>
-          </p:nvPr>
-        </p:nvSpPr>
-        <p:spPr/>
-        <p:txBody>
-          <a:bodyPr>
-            <a:normAutofit/>
-          </a:bodyPr>
-          <a:lstStyle/>
-          <a:p>
-            <a:pPr marL="0" indent="0" algn="ctr">
-              <a:buNone/>
-            </a:pPr>
-            <a:endParaRPr lang="en-GB" sz="4400" dirty="0"/>
-          </a:p>
-          <a:p>
-            <a:pPr marL="0" indent="0" algn="ctr">
-              <a:buNone/>
-            </a:pPr>
-            <a:endParaRPr lang="en-GB" sz="4400" dirty="0"/>
-          </a:p>
-          <a:p>
-            <a:pPr marL="0" indent="0" algn="ctr">
-              <a:buNone/>
-            </a:pPr>
-            <a:r>
-              <a:rPr lang="en-GB" sz="6000" dirty="0"/>
-              <a:t>Thank You</a:t>
-            </a:r>
-          </a:p>
-        </p:txBody>
-      </p:sp>
-    </p:spTree>
-    <p:extLst>
-      <p:ext uri="{BB962C8B-B14F-4D97-AF65-F5344CB8AC3E}">
-        <p14:creationId xmlns:p14="http://schemas.microsoft.com/office/powerpoint/2010/main" val="3691672322"/>
       </p:ext>
     </p:extLst>
   </p:cSld>
